--- a/Battle of Neighbourhoods.pptx
+++ b/Battle of Neighbourhoods.pptx
@@ -126,6 +126,9 @@
         </p14:section>
       </p14:sectionLst>
     </p:ext>
+    <p:ext uri="{EFAFB233-063F-42B5-8137-9DF3F51BA10A}">
+      <p15:sldGuideLst xmlns:p15="http://schemas.microsoft.com/office/powerpoint/2012/main"/>
+    </p:ext>
   </p:extLst>
 </p:presentation>
 </file>
@@ -316,7 +319,7 @@
           <a:p>
             <a:fld id="{4AAD347D-5ACD-4C99-B74B-A9C85AD731AF}" type="datetimeFigureOut">
               <a:rPr lang="en-US" dirty="0"/>
-              <a:t>3/15/2020</a:t>
+              <a:t>3/16/2020</a:t>
             </a:fld>
             <a:endParaRPr lang="en-US" dirty="0"/>
           </a:p>
@@ -586,7 +589,7 @@
           <a:p>
             <a:fld id="{4509A250-FF31-4206-8172-F9D3106AACB1}" type="datetimeFigureOut">
               <a:rPr lang="en-US" dirty="0"/>
-              <a:t>3/15/2020</a:t>
+              <a:t>3/16/2020</a:t>
             </a:fld>
             <a:endParaRPr lang="en-US" dirty="0"/>
           </a:p>
@@ -775,7 +778,7 @@
           <a:p>
             <a:fld id="{4509A250-FF31-4206-8172-F9D3106AACB1}" type="datetimeFigureOut">
               <a:rPr lang="en-US" dirty="0"/>
-              <a:t>3/15/2020</a:t>
+              <a:t>3/16/2020</a:t>
             </a:fld>
             <a:endParaRPr lang="en-US" dirty="0"/>
           </a:p>
@@ -1043,7 +1046,7 @@
           <a:p>
             <a:fld id="{4509A250-FF31-4206-8172-F9D3106AACB1}" type="datetimeFigureOut">
               <a:rPr lang="en-US" dirty="0"/>
-              <a:t>3/15/2020</a:t>
+              <a:t>3/16/2020</a:t>
             </a:fld>
             <a:endParaRPr lang="en-US" dirty="0"/>
           </a:p>
@@ -1379,7 +1382,7 @@
           <a:p>
             <a:fld id="{4509A250-FF31-4206-8172-F9D3106AACB1}" type="datetimeFigureOut">
               <a:rPr lang="en-US" dirty="0"/>
-              <a:t>3/15/2020</a:t>
+              <a:t>3/16/2020</a:t>
             </a:fld>
             <a:endParaRPr lang="en-US" dirty="0"/>
           </a:p>
@@ -1997,7 +2000,7 @@
           <a:p>
             <a:fld id="{4509A250-FF31-4206-8172-F9D3106AACB1}" type="datetimeFigureOut">
               <a:rPr lang="en-US" dirty="0"/>
-              <a:t>3/15/2020</a:t>
+              <a:t>3/16/2020</a:t>
             </a:fld>
             <a:endParaRPr lang="en-US" dirty="0"/>
           </a:p>
@@ -2852,7 +2855,7 @@
           <a:p>
             <a:fld id="{4509A250-FF31-4206-8172-F9D3106AACB1}" type="datetimeFigureOut">
               <a:rPr lang="en-US" dirty="0"/>
-              <a:t>3/15/2020</a:t>
+              <a:t>3/16/2020</a:t>
             </a:fld>
             <a:endParaRPr lang="en-US" dirty="0"/>
           </a:p>
@@ -3017,7 +3020,7 @@
           <a:p>
             <a:fld id="{4509A250-FF31-4206-8172-F9D3106AACB1}" type="datetimeFigureOut">
               <a:rPr lang="en-US" dirty="0"/>
-              <a:t>3/15/2020</a:t>
+              <a:t>3/16/2020</a:t>
             </a:fld>
             <a:endParaRPr lang="en-US" dirty="0"/>
           </a:p>
@@ -3192,7 +3195,7 @@
           <a:p>
             <a:fld id="{4509A250-FF31-4206-8172-F9D3106AACB1}" type="datetimeFigureOut">
               <a:rPr lang="en-US" dirty="0"/>
-              <a:t>3/15/2020</a:t>
+              <a:t>3/16/2020</a:t>
             </a:fld>
             <a:endParaRPr lang="en-US" dirty="0"/>
           </a:p>
@@ -3357,7 +3360,7 @@
           <a:p>
             <a:fld id="{4509A250-FF31-4206-8172-F9D3106AACB1}" type="datetimeFigureOut">
               <a:rPr lang="en-US" dirty="0"/>
-              <a:t>3/15/2020</a:t>
+              <a:t>3/16/2020</a:t>
             </a:fld>
             <a:endParaRPr lang="en-US" dirty="0"/>
           </a:p>
@@ -3599,7 +3602,7 @@
           <a:p>
             <a:fld id="{9796027F-7875-4030-9381-8BD8C4F21935}" type="datetimeFigureOut">
               <a:rPr lang="en-US" dirty="0"/>
-              <a:t>3/15/2020</a:t>
+              <a:t>3/16/2020</a:t>
             </a:fld>
             <a:endParaRPr lang="en-US" dirty="0"/>
           </a:p>
@@ -3886,7 +3889,7 @@
           <a:p>
             <a:fld id="{9796027F-7875-4030-9381-8BD8C4F21935}" type="datetimeFigureOut">
               <a:rPr lang="en-US" dirty="0"/>
-              <a:t>3/15/2020</a:t>
+              <a:t>3/16/2020</a:t>
             </a:fld>
             <a:endParaRPr lang="en-US" dirty="0"/>
           </a:p>
@@ -4325,7 +4328,7 @@
           <a:p>
             <a:fld id="{9796027F-7875-4030-9381-8BD8C4F21935}" type="datetimeFigureOut">
               <a:rPr lang="en-US" dirty="0"/>
-              <a:t>3/15/2020</a:t>
+              <a:t>3/16/2020</a:t>
             </a:fld>
             <a:endParaRPr lang="en-US" dirty="0"/>
           </a:p>
@@ -4438,7 +4441,7 @@
           <a:p>
             <a:fld id="{4509A250-FF31-4206-8172-F9D3106AACB1}" type="datetimeFigureOut">
               <a:rPr lang="en-US" dirty="0"/>
-              <a:t>3/15/2020</a:t>
+              <a:t>3/16/2020</a:t>
             </a:fld>
             <a:endParaRPr lang="en-US" dirty="0"/>
           </a:p>
@@ -4528,7 +4531,7 @@
           <a:p>
             <a:fld id="{4509A250-FF31-4206-8172-F9D3106AACB1}" type="datetimeFigureOut">
               <a:rPr lang="en-US" dirty="0"/>
-              <a:t>3/15/2020</a:t>
+              <a:t>3/16/2020</a:t>
             </a:fld>
             <a:endParaRPr lang="en-US" dirty="0"/>
           </a:p>
@@ -4802,7 +4805,7 @@
           <a:p>
             <a:fld id="{4509A250-FF31-4206-8172-F9D3106AACB1}" type="datetimeFigureOut">
               <a:rPr lang="en-US" dirty="0"/>
-              <a:t>3/15/2020</a:t>
+              <a:t>3/16/2020</a:t>
             </a:fld>
             <a:endParaRPr lang="en-US" dirty="0"/>
           </a:p>
@@ -5072,7 +5075,7 @@
           <a:p>
             <a:fld id="{4509A250-FF31-4206-8172-F9D3106AACB1}" type="datetimeFigureOut">
               <a:rPr lang="en-US" dirty="0"/>
-              <a:t>3/15/2020</a:t>
+              <a:t>3/16/2020</a:t>
             </a:fld>
             <a:endParaRPr lang="en-US" dirty="0"/>
           </a:p>
@@ -5496,7 +5499,7 @@
           <a:p>
             <a:fld id="{4AAD347D-5ACD-4C99-B74B-A9C85AD731AF}" type="datetimeFigureOut">
               <a:rPr lang="en-US" dirty="0"/>
-              <a:t>3/15/2020</a:t>
+              <a:t>3/16/2020</a:t>
             </a:fld>
             <a:endParaRPr lang="en-US" dirty="0"/>
           </a:p>
